--- a/Workshops/25.11.2017 - Python. The Basics - Volume 1 -/Presentations/PowerPoint/7. Επαναλήψεις.pptx
+++ b/Workshops/25.11.2017 - Python. The Basics - Volume 1 -/Presentations/PowerPoint/7. Επαναλήψεις.pptx
@@ -124,6 +124,22 @@
       </a:defRPr>
     </a:lvl9pPr>
   </p:defaultTextStyle>
+  <p:extLst>
+    <p:ext uri="{EFAFB233-063F-42B5-8137-9DF3F51BA10A}">
+      <p15:sldGuideLst xmlns:p15="http://schemas.microsoft.com/office/powerpoint/2012/main">
+        <p15:guide id="1" orient="horz" pos="1620">
+          <p15:clr>
+            <a:srgbClr val="A4A3A4"/>
+          </p15:clr>
+        </p15:guide>
+        <p15:guide id="2" pos="2880">
+          <p15:clr>
+            <a:srgbClr val="A4A3A4"/>
+          </p15:clr>
+        </p15:guide>
+      </p15:sldGuideLst>
+    </p:ext>
+  </p:extLst>
 </p:presentation>
 </file>
 
@@ -440,7 +456,7 @@
           </a:lstStyle>
           <a:p>
             <a:r>
-              <a:rPr lang="en-US" smtClean="0"/>
+              <a:rPr lang="en-US"/>
               <a:t>Click to edit Master title style</a:t>
             </a:r>
             <a:endParaRPr/>
@@ -6384,7 +6400,7 @@
           <a:p>
             <a:pPr lvl="0"/>
             <a:r>
-              <a:rPr lang="en-US" smtClean="0"/>
+              <a:rPr lang="en-US"/>
               <a:t>Click to edit Master text styles</a:t>
             </a:r>
           </a:p>
@@ -12309,7 +12325,7 @@
           </a:lstStyle>
           <a:p>
             <a:r>
-              <a:rPr lang="en-US" smtClean="0"/>
+              <a:rPr lang="en-US"/>
               <a:t>Click to edit Master title style</a:t>
             </a:r>
             <a:endParaRPr/>
@@ -12450,7 +12466,7 @@
           <a:p>
             <a:pPr lvl="0"/>
             <a:r>
-              <a:rPr lang="en-US" smtClean="0"/>
+              <a:rPr lang="en-US"/>
               <a:t>Click to edit Master text styles</a:t>
             </a:r>
           </a:p>
@@ -18329,7 +18345,7 @@
           </a:lstStyle>
           <a:p>
             <a:r>
-              <a:rPr lang="en-US" smtClean="0"/>
+              <a:rPr lang="en-US"/>
               <a:t>Click to edit Master title style</a:t>
             </a:r>
             <a:endParaRPr/>
@@ -18416,7 +18432,7 @@
           <a:p>
             <a:pPr lvl="0"/>
             <a:r>
-              <a:rPr lang="en-US" smtClean="0"/>
+              <a:rPr lang="en-US"/>
               <a:t>Click to edit Master text styles</a:t>
             </a:r>
           </a:p>
@@ -18502,7 +18518,7 @@
           <a:p>
             <a:pPr lvl="0"/>
             <a:r>
-              <a:rPr lang="en-US" smtClean="0"/>
+              <a:rPr lang="en-US"/>
               <a:t>Click to edit Master text styles</a:t>
             </a:r>
           </a:p>
@@ -24266,7 +24282,7 @@
           </a:lstStyle>
           <a:p>
             <a:r>
-              <a:rPr lang="en-US" smtClean="0"/>
+              <a:rPr lang="en-US"/>
               <a:t>Click to edit Master title style</a:t>
             </a:r>
             <a:endParaRPr/>
@@ -24353,7 +24369,7 @@
           <a:p>
             <a:pPr lvl="0"/>
             <a:r>
-              <a:rPr lang="en-US" smtClean="0"/>
+              <a:rPr lang="en-US"/>
               <a:t>Click to edit Master text styles</a:t>
             </a:r>
           </a:p>
@@ -24439,7 +24455,7 @@
           <a:p>
             <a:pPr lvl="0"/>
             <a:r>
-              <a:rPr lang="en-US" smtClean="0"/>
+              <a:rPr lang="en-US"/>
               <a:t>Click to edit Master text styles</a:t>
             </a:r>
           </a:p>
@@ -24525,7 +24541,7 @@
           <a:p>
             <a:pPr lvl="0"/>
             <a:r>
-              <a:rPr lang="en-US" smtClean="0"/>
+              <a:rPr lang="en-US"/>
               <a:t>Click to edit Master text styles</a:t>
             </a:r>
           </a:p>
@@ -27575,7 +27591,7 @@
           </a:lstStyle>
           <a:p>
             <a:r>
-              <a:rPr lang="en-US" smtClean="0"/>
+              <a:rPr lang="en-US"/>
               <a:t>Click to edit Master title style</a:t>
             </a:r>
             <a:endParaRPr/>
@@ -33409,7 +33425,7 @@
           <a:p>
             <a:pPr lvl="0"/>
             <a:r>
-              <a:rPr lang="en-US" smtClean="0"/>
+              <a:rPr lang="en-US"/>
               <a:t>Click to edit Master text styles</a:t>
             </a:r>
           </a:p>
@@ -39591,7 +39607,7 @@
           <a:lstStyle/>
           <a:p>
             <a:r>
-              <a:rPr lang="en-US" smtClean="0"/>
+              <a:rPr lang="en-US"/>
               <a:t>Click to edit Master title style</a:t>
             </a:r>
             <a:endParaRPr lang="el-GR"/>
@@ -39710,7 +39726,7 @@
           </a:lstStyle>
           <a:p>
             <a:r>
-              <a:rPr lang="en-US" smtClean="0"/>
+              <a:rPr lang="en-US"/>
               <a:t>Click to edit Master subtitle style</a:t>
             </a:r>
             <a:endParaRPr lang="el-GR"/>
@@ -39743,7 +39759,7 @@
             <a:fld id="{0578E2AC-21D6-4860-B934-27C8F5D11D07}" type="datetimeFigureOut">
               <a:rPr lang="el-GR" smtClean="0"/>
               <a:pPr/>
-              <a:t>1/12/2017</a:t>
+              <a:t>21/11/2018</a:t>
             </a:fld>
             <a:endParaRPr lang="el-GR"/>
           </a:p>
@@ -40749,10 +40765,9 @@
           <a:lstStyle/>
           <a:p>
             <a:r>
-              <a:rPr lang="el-GR" dirty="0" smtClean="0"/>
+              <a:rPr lang="el-GR" dirty="0"/>
               <a:t>Δομή Επανάληψης</a:t>
             </a:r>
-            <a:endParaRPr lang="el-GR" dirty="0"/>
           </a:p>
         </p:txBody>
       </p:sp>
@@ -40761,13 +40776,6 @@
   <p:clrMapOvr>
     <a:masterClrMapping/>
   </p:clrMapOvr>
-  <p:timing>
-    <p:tnLst>
-      <p:par>
-        <p:cTn id="1" dur="indefinite" restart="never" nodeType="tmRoot"/>
-      </p:par>
-    </p:tnLst>
-  </p:timing>
 </p:sld>
 </file>
 
@@ -40833,7 +40841,7 @@
               <a:defRPr/>
             </a:pPr>
             <a:r>
-              <a:rPr kumimoji="0" lang="en-US" sz="4000" b="0" i="0" u="none" strike="noStrike" kern="0" cap="none" spc="0" normalizeH="0" baseline="0" noProof="0" dirty="0" smtClean="0">
+              <a:rPr kumimoji="0" lang="en-US" sz="4000" b="0" i="0" u="none" strike="noStrike" kern="0" cap="none" spc="0" normalizeH="0" baseline="0" noProof="0" dirty="0">
                 <a:ln>
                   <a:noFill/>
                 </a:ln>
@@ -40851,7 +40859,7 @@
               <a:t>For Loops </a:t>
             </a:r>
             <a:r>
-              <a:rPr lang="el-GR" sz="4000" kern="0" dirty="0" smtClean="0">
+              <a:rPr lang="el-GR" sz="4000" kern="0" dirty="0">
                 <a:solidFill>
                   <a:srgbClr val="19BBD5"/>
                 </a:solidFill>
@@ -40863,7 +40871,7 @@
               <a:t>στην </a:t>
             </a:r>
             <a:r>
-              <a:rPr lang="en-US" sz="4000" kern="0" dirty="0" smtClean="0">
+              <a:rPr lang="en-US" sz="4000" kern="0" dirty="0">
                 <a:solidFill>
                   <a:srgbClr val="19BBD5"/>
                 </a:solidFill>
@@ -40917,7 +40925,7 @@
               <a:buChar char="q"/>
             </a:pPr>
             <a:r>
-              <a:rPr lang="el-GR" sz="2800" dirty="0" smtClean="0">
+              <a:rPr lang="el-GR" sz="2800" dirty="0">
                 <a:solidFill>
                   <a:schemeClr val="accent4">
                     <a:lumMod val="60000"/>
@@ -40928,7 +40936,7 @@
               <a:t> Η σύνταξη της </a:t>
             </a:r>
             <a:r>
-              <a:rPr lang="en-US" sz="2800" dirty="0" smtClean="0">
+              <a:rPr lang="en-US" sz="2800" dirty="0">
                 <a:solidFill>
                   <a:schemeClr val="accent4">
                     <a:lumMod val="60000"/>
@@ -40939,7 +40947,7 @@
               <a:t>for </a:t>
             </a:r>
             <a:r>
-              <a:rPr lang="el-GR" sz="2800" dirty="0" smtClean="0">
+              <a:rPr lang="el-GR" sz="2800" dirty="0">
                 <a:solidFill>
                   <a:schemeClr val="accent4">
                     <a:lumMod val="60000"/>
@@ -40950,7 +40958,7 @@
               <a:t>στην </a:t>
             </a:r>
             <a:r>
-              <a:rPr lang="en-US" sz="2800" dirty="0" smtClean="0">
+              <a:rPr lang="en-US" sz="2800" dirty="0">
                 <a:solidFill>
                   <a:schemeClr val="accent4">
                     <a:lumMod val="60000"/>
@@ -40961,7 +40969,7 @@
               <a:t>Python </a:t>
             </a:r>
             <a:r>
-              <a:rPr lang="el-GR" sz="2800" dirty="0" smtClean="0">
+              <a:rPr lang="el-GR" sz="2800" dirty="0">
                 <a:solidFill>
                   <a:schemeClr val="accent4">
                     <a:lumMod val="60000"/>
@@ -40969,16 +40977,8 @@
                   </a:schemeClr>
                 </a:solidFill>
               </a:rPr>
-              <a:t>είναι τελείως διαφορετική</a:t>
+              <a:t>είναι:</a:t>
             </a:r>
-            <a:endParaRPr lang="el-GR" sz="2800" dirty="0">
-              <a:solidFill>
-                <a:schemeClr val="accent4">
-                  <a:lumMod val="60000"/>
-                  <a:lumOff val="40000"/>
-                </a:schemeClr>
-              </a:solidFill>
-            </a:endParaRPr>
           </a:p>
         </p:txBody>
       </p:sp>
@@ -41020,7 +41020,7 @@
           <a:p>
             <a:pPr algn="ctr"/>
             <a:r>
-              <a:rPr lang="en-US" sz="5400" b="1" dirty="0" smtClean="0">
+              <a:rPr lang="en-US" sz="5400" b="1" dirty="0">
                 <a:ln w="11430"/>
                 <a:gradFill>
                   <a:gsLst>
@@ -41058,7 +41058,7 @@
               <a:t>for </a:t>
             </a:r>
             <a:r>
-              <a:rPr lang="en-US" sz="5400" b="1" dirty="0" err="1" smtClean="0">
+              <a:rPr lang="en-US" sz="5400" b="1" dirty="0" err="1">
                 <a:ln w="11430"/>
                 <a:gradFill>
                   <a:gsLst>
@@ -41096,7 +41096,7 @@
               <a:t>i</a:t>
             </a:r>
             <a:r>
-              <a:rPr lang="en-US" sz="5400" b="1" dirty="0" smtClean="0">
+              <a:rPr lang="en-US" sz="5400" b="1" dirty="0">
                 <a:ln w="11430"/>
                 <a:gradFill>
                   <a:gsLst>
@@ -41134,7 +41134,7 @@
               <a:t> </a:t>
             </a:r>
             <a:r>
-              <a:rPr lang="en-US" sz="5400" b="1" dirty="0" smtClean="0">
+              <a:rPr lang="en-US" sz="5400" b="1" dirty="0">
                 <a:ln w="11430"/>
                 <a:solidFill>
                   <a:srgbClr val="00B0F0"/>
@@ -41150,7 +41150,7 @@
               <a:t>in range(</a:t>
             </a:r>
             <a:r>
-              <a:rPr lang="en-US" sz="5400" b="1" dirty="0" smtClean="0">
+              <a:rPr lang="en-US" sz="5400" b="1" dirty="0">
                 <a:ln w="11430"/>
                 <a:gradFill>
                   <a:gsLst>
@@ -41188,7 +41188,7 @@
               <a:t>num</a:t>
             </a:r>
             <a:r>
-              <a:rPr lang="en-US" sz="5400" b="1" dirty="0" smtClean="0">
+              <a:rPr lang="en-US" sz="5400" b="1" dirty="0">
                 <a:ln w="11430"/>
                 <a:solidFill>
                   <a:srgbClr val="00B0F0"/>
@@ -41204,7 +41204,7 @@
               <a:t>)</a:t>
             </a:r>
             <a:r>
-              <a:rPr lang="en-US" sz="5400" b="1" dirty="0" smtClean="0">
+              <a:rPr lang="en-US" sz="5400" b="1" dirty="0">
                 <a:ln w="11430"/>
                 <a:gradFill>
                   <a:gsLst>
@@ -41284,13 +41284,6 @@
   <p:clrMapOvr>
     <a:masterClrMapping/>
   </p:clrMapOvr>
-  <p:timing>
-    <p:tnLst>
-      <p:par>
-        <p:cTn id="1" dur="indefinite" restart="never" nodeType="tmRoot"/>
-      </p:par>
-    </p:tnLst>
-  </p:timing>
 </p:sld>
 </file>
 
@@ -41327,11 +41320,11 @@
           <a:lstStyle/>
           <a:p>
             <a:r>
-              <a:rPr lang="el-GR" dirty="0" smtClean="0"/>
+              <a:rPr lang="el-GR" dirty="0"/>
               <a:t>Παραδείγματα </a:t>
             </a:r>
             <a:r>
-              <a:rPr lang="en-US" dirty="0" smtClean="0"/>
+              <a:rPr lang="en-US" dirty="0"/>
               <a:t>for - 1</a:t>
             </a:r>
             <a:endParaRPr lang="el-GR" dirty="0"/>
@@ -41377,13 +41370,6 @@
   <p:clrMapOvr>
     <a:masterClrMapping/>
   </p:clrMapOvr>
-  <p:timing>
-    <p:tnLst>
-      <p:par>
-        <p:cTn id="1" dur="indefinite" restart="never" nodeType="tmRoot"/>
-      </p:par>
-    </p:tnLst>
-  </p:timing>
 </p:sld>
 </file>
 
@@ -41442,7 +41428,7 @@
           <a:p>
             <a:pPr algn="ctr"/>
             <a:r>
-              <a:rPr lang="en-US" sz="5400" b="1" dirty="0" smtClean="0">
+              <a:rPr lang="en-US" sz="5400" b="1" dirty="0">
                 <a:ln w="11430"/>
                 <a:gradFill>
                   <a:gsLst>
@@ -41480,7 +41466,7 @@
               <a:t>for </a:t>
             </a:r>
             <a:r>
-              <a:rPr lang="en-US" sz="5400" b="1" dirty="0" err="1" smtClean="0">
+              <a:rPr lang="en-US" sz="5400" b="1" dirty="0" err="1">
                 <a:ln w="11430"/>
                 <a:solidFill>
                   <a:srgbClr val="00B0F0"/>
@@ -41496,7 +41482,7 @@
               <a:t>i</a:t>
             </a:r>
             <a:r>
-              <a:rPr lang="en-US" sz="5400" b="1" dirty="0" smtClean="0">
+              <a:rPr lang="en-US" sz="5400" b="1" dirty="0">
                 <a:ln w="11430"/>
                 <a:gradFill>
                   <a:gsLst>
@@ -41534,7 +41520,7 @@
               <a:t> </a:t>
             </a:r>
             <a:r>
-              <a:rPr lang="en-US" sz="5400" b="1" dirty="0" smtClean="0">
+              <a:rPr lang="en-US" sz="5400" b="1" dirty="0">
                 <a:ln w="11430"/>
                 <a:solidFill>
                   <a:srgbClr val="92D050"/>
@@ -41550,7 +41536,7 @@
               <a:t>in</a:t>
             </a:r>
             <a:r>
-              <a:rPr lang="en-US" sz="5400" b="1" dirty="0" smtClean="0">
+              <a:rPr lang="en-US" sz="5400" b="1" dirty="0">
                 <a:ln w="11430"/>
                 <a:gradFill>
                   <a:gsLst>
@@ -41588,7 +41574,7 @@
               <a:t> </a:t>
             </a:r>
             <a:r>
-              <a:rPr lang="en-US" sz="5400" b="1" dirty="0" smtClean="0">
+              <a:rPr lang="en-US" sz="5400" b="1" dirty="0">
                 <a:ln w="11430"/>
                 <a:solidFill>
                   <a:srgbClr val="92D050"/>
@@ -41604,7 +41590,7 @@
               <a:t>range(</a:t>
             </a:r>
             <a:r>
-              <a:rPr lang="en-US" sz="5400" b="1" dirty="0" smtClean="0">
+              <a:rPr lang="en-US" sz="5400" b="1" dirty="0">
                 <a:ln w="11430"/>
                 <a:solidFill>
                   <a:srgbClr val="00B0F0"/>
@@ -41620,7 +41606,7 @@
               <a:t>num</a:t>
             </a:r>
             <a:r>
-              <a:rPr lang="en-US" sz="5400" b="1" dirty="0" smtClean="0">
+              <a:rPr lang="en-US" sz="5400" b="1" dirty="0">
                 <a:ln w="11430"/>
                 <a:solidFill>
                   <a:srgbClr val="92D050"/>
@@ -41636,7 +41622,7 @@
               <a:t>)</a:t>
             </a:r>
             <a:r>
-              <a:rPr lang="en-US" sz="5400" b="1" dirty="0" smtClean="0">
+              <a:rPr lang="en-US" sz="5400" b="1" dirty="0">
                 <a:ln w="11430"/>
                 <a:solidFill>
                   <a:schemeClr val="accent2"/>
@@ -41686,8 +41672,20 @@
                 <a:tableStyleId>{E269D01E-BC32-4049-B463-5C60D7B0CCD2}</a:tableStyleId>
               </a:tblPr>
               <a:tblGrid>
-                <a:gridCol w="1722808"/>
-                <a:gridCol w="4037832"/>
+                <a:gridCol w="1722808">
+                  <a:extLst>
+                    <a:ext uri="{9D8B030D-6E8A-4147-A177-3AD203B41FA5}">
+                      <a16:colId xmlns:a16="http://schemas.microsoft.com/office/drawing/2014/main" val="20000"/>
+                    </a:ext>
+                  </a:extLst>
+                </a:gridCol>
+                <a:gridCol w="4037832">
+                  <a:extLst>
+                    <a:ext uri="{9D8B030D-6E8A-4147-A177-3AD203B41FA5}">
+                      <a16:colId xmlns:a16="http://schemas.microsoft.com/office/drawing/2014/main" val="20001"/>
+                    </a:ext>
+                  </a:extLst>
+                </a:gridCol>
               </a:tblGrid>
               <a:tr h="596342">
                 <a:tc>
@@ -41696,7 +41694,7 @@
                     <a:lstStyle/>
                     <a:p>
                       <a:r>
-                        <a:rPr lang="en-US" sz="2400" b="1" dirty="0" smtClean="0">
+                        <a:rPr lang="en-US" sz="2400" b="1" dirty="0">
                           <a:solidFill>
                             <a:srgbClr val="002060"/>
                           </a:solidFill>
@@ -41704,7 +41702,7 @@
                         <a:t>for</a:t>
                       </a:r>
                       <a:r>
-                        <a:rPr lang="en-US" sz="2400" b="1" baseline="0" dirty="0" smtClean="0">
+                        <a:rPr lang="en-US" sz="2400" b="1" baseline="0" dirty="0">
                           <a:solidFill>
                             <a:srgbClr val="002060"/>
                           </a:solidFill>
@@ -41771,7 +41769,7 @@
                     <a:lstStyle/>
                     <a:p>
                       <a:r>
-                        <a:rPr lang="el-GR" sz="2400" b="1" dirty="0" smtClean="0">
+                        <a:rPr lang="el-GR" sz="2400" b="1" dirty="0">
                           <a:solidFill>
                             <a:srgbClr val="002060"/>
                           </a:solidFill>
@@ -41779,7 +41777,7 @@
                         <a:t>Δήλωση</a:t>
                       </a:r>
                       <a:r>
-                        <a:rPr lang="el-GR" sz="2400" b="1" baseline="0" dirty="0" smtClean="0">
+                        <a:rPr lang="el-GR" sz="2400" b="1" baseline="0" dirty="0">
                           <a:solidFill>
                             <a:srgbClr val="002060"/>
                           </a:solidFill>
@@ -41787,7 +41785,7 @@
                         <a:t> του </a:t>
                       </a:r>
                       <a:r>
-                        <a:rPr lang="en-US" sz="2400" b="1" baseline="0" dirty="0" smtClean="0">
+                        <a:rPr lang="en-US" sz="2400" b="1" baseline="0" dirty="0">
                           <a:solidFill>
                             <a:srgbClr val="002060"/>
                           </a:solidFill>
@@ -41848,6 +41846,11 @@
                     </a:lnB>
                   </a:tcPr>
                 </a:tc>
+                <a:extLst>
+                  <a:ext uri="{0D108BD9-81ED-4DB2-BD59-A6C34878D82A}">
+                    <a16:rowId xmlns:a16="http://schemas.microsoft.com/office/drawing/2014/main" val="10000"/>
+                  </a:ext>
+                </a:extLst>
               </a:tr>
               <a:tr h="473294">
                 <a:tc>
@@ -41856,7 +41859,7 @@
                     <a:lstStyle/>
                     <a:p>
                       <a:r>
-                        <a:rPr lang="en-US" sz="2400" b="1" dirty="0" err="1" smtClean="0">
+                        <a:rPr lang="en-US" sz="2400" b="1" dirty="0" err="1">
                           <a:solidFill>
                             <a:srgbClr val="002060"/>
                           </a:solidFill>
@@ -41864,7 +41867,7 @@
                         <a:t>i</a:t>
                       </a:r>
                       <a:r>
-                        <a:rPr lang="en-US" sz="2400" b="1" dirty="0" smtClean="0">
+                        <a:rPr lang="en-US" sz="2400" b="1" dirty="0">
                           <a:solidFill>
                             <a:srgbClr val="002060"/>
                           </a:solidFill>
@@ -41931,18 +41934,13 @@
                     <a:lstStyle/>
                     <a:p>
                       <a:r>
-                        <a:rPr lang="el-GR" sz="2400" b="1" dirty="0" smtClean="0">
+                        <a:rPr lang="el-GR" sz="2400" b="1" dirty="0">
                           <a:solidFill>
                             <a:srgbClr val="002060"/>
                           </a:solidFill>
                         </a:rPr>
                         <a:t>Μεταβλητές</a:t>
                       </a:r>
-                      <a:endParaRPr lang="el-GR" sz="2400" b="1" dirty="0">
-                        <a:solidFill>
-                          <a:srgbClr val="002060"/>
-                        </a:solidFill>
-                      </a:endParaRPr>
                     </a:p>
                   </a:txBody>
                   <a:tcPr anchor="ctr">
@@ -41992,6 +41990,11 @@
                     </a:lnB>
                   </a:tcPr>
                 </a:tc>
+                <a:extLst>
+                  <a:ext uri="{0D108BD9-81ED-4DB2-BD59-A6C34878D82A}">
+                    <a16:rowId xmlns:a16="http://schemas.microsoft.com/office/drawing/2014/main" val="10001"/>
+                  </a:ext>
+                </a:extLst>
               </a:tr>
               <a:tr h="473294">
                 <a:tc>
@@ -42000,7 +42003,7 @@
                     <a:lstStyle/>
                     <a:p>
                       <a:r>
-                        <a:rPr lang="en-US" sz="2400" b="1" dirty="0" smtClean="0">
+                        <a:rPr lang="en-US" sz="2400" b="1" dirty="0">
                           <a:solidFill>
                             <a:srgbClr val="002060"/>
                           </a:solidFill>
@@ -42067,7 +42070,7 @@
                     <a:lstStyle/>
                     <a:p>
                       <a:r>
-                        <a:rPr lang="el-GR" sz="2400" b="1" dirty="0" smtClean="0">
+                        <a:rPr lang="el-GR" sz="2400" b="1" dirty="0">
                           <a:solidFill>
                             <a:srgbClr val="002060"/>
                           </a:solidFill>
@@ -42075,7 +42078,7 @@
                         <a:t>Ειδική</a:t>
                       </a:r>
                       <a:r>
-                        <a:rPr lang="el-GR" sz="2400" b="1" baseline="0" dirty="0" smtClean="0">
+                        <a:rPr lang="el-GR" sz="2400" b="1" baseline="0" dirty="0">
                           <a:solidFill>
                             <a:srgbClr val="002060"/>
                           </a:solidFill>
@@ -42136,6 +42139,11 @@
                     </a:lnB>
                   </a:tcPr>
                 </a:tc>
+                <a:extLst>
+                  <a:ext uri="{0D108BD9-81ED-4DB2-BD59-A6C34878D82A}">
+                    <a16:rowId xmlns:a16="http://schemas.microsoft.com/office/drawing/2014/main" val="10002"/>
+                  </a:ext>
+                </a:extLst>
               </a:tr>
               <a:tr h="473294">
                 <a:tc>
@@ -42144,7 +42152,7 @@
                     <a:lstStyle/>
                     <a:p>
                       <a:r>
-                        <a:rPr lang="en-US" sz="2400" b="1" dirty="0" smtClean="0">
+                        <a:rPr lang="en-US" sz="2400" b="1" dirty="0">
                           <a:solidFill>
                             <a:srgbClr val="002060"/>
                           </a:solidFill>
@@ -42211,18 +42219,13 @@
                     <a:lstStyle/>
                     <a:p>
                       <a:r>
-                        <a:rPr lang="el-GR" sz="2400" b="1" dirty="0" smtClean="0">
+                        <a:rPr lang="el-GR" sz="2400" b="1" dirty="0">
                           <a:solidFill>
                             <a:srgbClr val="002060"/>
                           </a:solidFill>
                         </a:rPr>
                         <a:t>συνάρτηση</a:t>
                       </a:r>
-                      <a:endParaRPr lang="el-GR" sz="2400" b="1" dirty="0">
-                        <a:solidFill>
-                          <a:srgbClr val="002060"/>
-                        </a:solidFill>
-                      </a:endParaRPr>
                     </a:p>
                   </a:txBody>
                   <a:tcPr anchor="ctr">
@@ -42272,6 +42275,11 @@
                     </a:lnB>
                   </a:tcPr>
                 </a:tc>
+                <a:extLst>
+                  <a:ext uri="{0D108BD9-81ED-4DB2-BD59-A6C34878D82A}">
+                    <a16:rowId xmlns:a16="http://schemas.microsoft.com/office/drawing/2014/main" val="10003"/>
+                  </a:ext>
+                </a:extLst>
               </a:tr>
             </a:tbl>
           </a:graphicData>
@@ -42282,13 +42290,6 @@
   <p:clrMapOvr>
     <a:masterClrMapping/>
   </p:clrMapOvr>
-  <p:timing>
-    <p:tnLst>
-      <p:par>
-        <p:cTn id="1" dur="indefinite" restart="never" nodeType="tmRoot"/>
-      </p:par>
-    </p:tnLst>
-  </p:timing>
 </p:sld>
 </file>
 
@@ -42330,11 +42331,11 @@
           <a:lstStyle/>
           <a:p>
             <a:r>
-              <a:rPr lang="el-GR" dirty="0" smtClean="0"/>
+              <a:rPr lang="el-GR" dirty="0"/>
               <a:t>Ειδική λέξη </a:t>
             </a:r>
             <a:r>
-              <a:rPr lang="en-US" dirty="0" smtClean="0"/>
+              <a:rPr lang="en-US" dirty="0"/>
               <a:t>In</a:t>
             </a:r>
             <a:endParaRPr lang="el-GR" dirty="0"/>
@@ -42363,10 +42364,9 @@
           <a:p>
             <a:pPr algn="just"/>
             <a:r>
-              <a:rPr lang="el-GR" sz="1800" dirty="0" smtClean="0"/>
+              <a:rPr lang="el-GR" sz="1800" dirty="0"/>
               <a:t> Ελέγχει εάν το στοιχείο που δίνουμε στα αριστέρα υπάρχει στο στοιχείο που δίνουμε δεξιά</a:t>
             </a:r>
-            <a:endParaRPr lang="el-GR" sz="1800" dirty="0"/>
           </a:p>
         </p:txBody>
       </p:sp>
@@ -42394,7 +42394,7 @@
           <a:p>
             <a:pPr algn="ctr"/>
             <a:r>
-              <a:rPr lang="en-US" sz="5400" b="1" dirty="0" smtClean="0">
+              <a:rPr lang="en-US" sz="5400" b="1" dirty="0">
                 <a:ln w="9000" cmpd="sng">
                   <a:solidFill>
                     <a:schemeClr val="accent4">
@@ -42439,7 +42439,7 @@
               <a:t>“g” in </a:t>
             </a:r>
             <a:r>
-              <a:rPr lang="en-US" sz="5400" b="1" dirty="0" err="1" smtClean="0">
+              <a:rPr lang="en-US" sz="5400" b="1" dirty="0" err="1">
                 <a:ln w="9000" cmpd="sng">
                   <a:solidFill>
                     <a:schemeClr val="accent4">
@@ -42533,13 +42533,6 @@
   <p:clrMapOvr>
     <a:masterClrMapping/>
   </p:clrMapOvr>
-  <p:timing>
-    <p:tnLst>
-      <p:par>
-        <p:cTn id="1" dur="indefinite" restart="never" nodeType="tmRoot"/>
-      </p:par>
-    </p:tnLst>
-  </p:timing>
 </p:sld>
 </file>
 
@@ -42576,10 +42569,9 @@
           <a:lstStyle/>
           <a:p>
             <a:r>
-              <a:rPr lang="el-GR" dirty="0" smtClean="0"/>
+              <a:rPr lang="el-GR" dirty="0"/>
               <a:t>Παράδειγμα</a:t>
             </a:r>
-            <a:endParaRPr lang="el-GR" dirty="0"/>
           </a:p>
         </p:txBody>
       </p:sp>
@@ -42622,13 +42614,6 @@
   <p:clrMapOvr>
     <a:masterClrMapping/>
   </p:clrMapOvr>
-  <p:timing>
-    <p:tnLst>
-      <p:par>
-        <p:cTn id="1" dur="indefinite" restart="never" nodeType="tmRoot"/>
-      </p:par>
-    </p:tnLst>
-  </p:timing>
 </p:sld>
 </file>
 
@@ -42665,11 +42650,11 @@
           <a:lstStyle/>
           <a:p>
             <a:r>
-              <a:rPr lang="el-GR" dirty="0" smtClean="0"/>
+              <a:rPr lang="el-GR" dirty="0"/>
               <a:t>Παραδείγματα </a:t>
             </a:r>
             <a:r>
-              <a:rPr lang="en-US" dirty="0" smtClean="0"/>
+              <a:rPr lang="en-US" dirty="0"/>
               <a:t>for - 2</a:t>
             </a:r>
             <a:endParaRPr lang="el-GR" dirty="0"/>
@@ -42715,13 +42700,6 @@
   <p:clrMapOvr>
     <a:masterClrMapping/>
   </p:clrMapOvr>
-  <p:timing>
-    <p:tnLst>
-      <p:par>
-        <p:cTn id="1" dur="indefinite" restart="never" nodeType="tmRoot"/>
-      </p:par>
-    </p:tnLst>
-  </p:timing>
 </p:sld>
 </file>
 
@@ -42763,11 +42741,11 @@
           <a:lstStyle/>
           <a:p>
             <a:r>
-              <a:rPr lang="el-GR" dirty="0" smtClean="0"/>
+              <a:rPr lang="el-GR" dirty="0"/>
               <a:t>Εμφωλευμένα </a:t>
             </a:r>
             <a:r>
-              <a:rPr lang="en-US" dirty="0" smtClean="0"/>
+              <a:rPr lang="en-US" dirty="0"/>
               <a:t>Loops</a:t>
             </a:r>
             <a:endParaRPr lang="el-GR" dirty="0"/>
@@ -42799,14 +42777,13 @@
               <a:buChar char="q"/>
             </a:pPr>
             <a:r>
-              <a:rPr lang="en-US" sz="2400" dirty="0" smtClean="0"/>
+              <a:rPr lang="en-US" sz="2400" dirty="0"/>
               <a:t> </a:t>
             </a:r>
             <a:r>
-              <a:rPr lang="el-GR" sz="2400" dirty="0" smtClean="0"/>
+              <a:rPr lang="el-GR" sz="2400" dirty="0"/>
               <a:t>Όπως και στις δομές επιλογής, έτσι και στην επανάληψη μπορούμε να έχουμε μια δομή μέσα σε μία άλλη</a:t>
             </a:r>
-            <a:endParaRPr lang="el-GR" sz="2400" dirty="0"/>
           </a:p>
         </p:txBody>
       </p:sp>
@@ -42815,13 +42792,6 @@
   <p:clrMapOvr>
     <a:masterClrMapping/>
   </p:clrMapOvr>
-  <p:timing>
-    <p:tnLst>
-      <p:par>
-        <p:cTn id="1" dur="indefinite" restart="never" nodeType="tmRoot"/>
-      </p:par>
-    </p:tnLst>
-  </p:timing>
 </p:sld>
 </file>
 
@@ -42858,10 +42828,9 @@
           <a:lstStyle/>
           <a:p>
             <a:r>
-              <a:rPr lang="el-GR" dirty="0" smtClean="0"/>
+              <a:rPr lang="el-GR" dirty="0"/>
               <a:t>Παράδειγμα</a:t>
             </a:r>
-            <a:endParaRPr lang="el-GR" dirty="0"/>
           </a:p>
         </p:txBody>
       </p:sp>
@@ -42904,13 +42873,6 @@
   <p:clrMapOvr>
     <a:masterClrMapping/>
   </p:clrMapOvr>
-  <p:timing>
-    <p:tnLst>
-      <p:par>
-        <p:cTn id="1" dur="indefinite" restart="never" nodeType="tmRoot"/>
-      </p:par>
-    </p:tnLst>
-  </p:timing>
 </p:sld>
 </file>
 
@@ -42947,10 +42909,9 @@
           <a:lstStyle/>
           <a:p>
             <a:r>
-              <a:rPr lang="el-GR" dirty="0" smtClean="0"/>
+              <a:rPr lang="el-GR" dirty="0"/>
               <a:t>Μια ωραία ερώτηση!</a:t>
             </a:r>
-            <a:endParaRPr lang="el-GR" dirty="0"/>
           </a:p>
         </p:txBody>
       </p:sp>
@@ -42978,7 +42939,7 @@
           <a:p>
             <a:pPr algn="just"/>
             <a:r>
-              <a:rPr lang="el-GR" sz="3200" b="1" i="1" spc="300" dirty="0" smtClean="0">
+              <a:rPr lang="el-GR" sz="3200" b="1" i="1" spc="300" dirty="0">
                 <a:ln w="11430" cmpd="sng">
                   <a:noFill/>
                   <a:prstDash val="solid"/>
@@ -43010,13 +42971,6 @@
   <p:clrMapOvr>
     <a:masterClrMapping/>
   </p:clrMapOvr>
-  <p:timing>
-    <p:tnLst>
-      <p:par>
-        <p:cTn id="1" dur="indefinite" restart="never" nodeType="tmRoot"/>
-      </p:par>
-    </p:tnLst>
-  </p:timing>
 </p:sld>
 </file>
 
@@ -43058,11 +43012,11 @@
           <a:lstStyle/>
           <a:p>
             <a:r>
-              <a:rPr lang="el-GR" dirty="0" smtClean="0"/>
+              <a:rPr lang="el-GR" dirty="0"/>
               <a:t>Εντολές Ελέγχου</a:t>
             </a:r>
             <a:r>
-              <a:rPr lang="en-US" dirty="0" smtClean="0"/>
+              <a:rPr lang="en-US" dirty="0"/>
               <a:t> - 1</a:t>
             </a:r>
             <a:endParaRPr lang="el-GR" dirty="0"/>
@@ -43091,18 +43045,18 @@
           <a:p>
             <a:pPr algn="just"/>
             <a:r>
-              <a:rPr lang="el-GR" sz="2400" dirty="0" smtClean="0"/>
+              <a:rPr lang="el-GR" sz="2400" dirty="0"/>
               <a:t>  Οι εντολές αυτές έχουν ως σκοπό τη διακοπή ή και αλλαγή της καθορισμένης ροής της επανάληψης.</a:t>
             </a:r>
           </a:p>
           <a:p>
             <a:pPr algn="just"/>
-            <a:endParaRPr lang="el-GR" sz="2400" dirty="0" smtClean="0"/>
+            <a:endParaRPr lang="el-GR" sz="2400" dirty="0"/>
           </a:p>
           <a:p>
             <a:pPr algn="just"/>
             <a:r>
-              <a:rPr lang="el-GR" sz="2400" dirty="0" smtClean="0"/>
+              <a:rPr lang="el-GR" sz="2400" dirty="0"/>
               <a:t> Οι εντολές αυτές είναι οι:</a:t>
             </a:r>
           </a:p>
@@ -43111,11 +43065,11 @@
               <a:buNone/>
             </a:pPr>
             <a:r>
-              <a:rPr lang="el-GR" sz="2400" dirty="0" smtClean="0"/>
+              <a:rPr lang="el-GR" sz="2400" dirty="0"/>
               <a:t>	1. </a:t>
             </a:r>
             <a:r>
-              <a:rPr lang="en-US" sz="2400" b="1" i="1" dirty="0" smtClean="0"/>
+              <a:rPr lang="en-US" sz="2400" b="1" i="1" dirty="0"/>
               <a:t>break</a:t>
             </a:r>
           </a:p>
@@ -43124,11 +43078,11 @@
               <a:buNone/>
             </a:pPr>
             <a:r>
-              <a:rPr lang="en-US" sz="2400" dirty="0" smtClean="0"/>
+              <a:rPr lang="en-US" sz="2400" dirty="0"/>
               <a:t>	2. </a:t>
             </a:r>
             <a:r>
-              <a:rPr lang="en-US" sz="2400" b="1" i="1" dirty="0" smtClean="0"/>
+              <a:rPr lang="en-US" sz="2400" b="1" i="1" dirty="0"/>
               <a:t>continue</a:t>
             </a:r>
             <a:endParaRPr lang="el-GR" sz="2400" b="1" i="1" dirty="0"/>
@@ -43140,13 +43094,6 @@
   <p:clrMapOvr>
     <a:masterClrMapping/>
   </p:clrMapOvr>
-  <p:timing>
-    <p:tnLst>
-      <p:par>
-        <p:cTn id="1" dur="indefinite" restart="never" nodeType="tmRoot"/>
-      </p:par>
-    </p:tnLst>
-  </p:timing>
 </p:sld>
 </file>
 
@@ -43188,10 +43135,9 @@
           <a:lstStyle/>
           <a:p>
             <a:r>
-              <a:rPr lang="el-GR" dirty="0" smtClean="0"/>
+              <a:rPr lang="el-GR" dirty="0"/>
               <a:t>Επανάληψη</a:t>
             </a:r>
-            <a:endParaRPr lang="el-GR" dirty="0"/>
           </a:p>
         </p:txBody>
       </p:sp>
@@ -43220,10 +43166,9 @@
               <a:buChar char="q"/>
             </a:pPr>
             <a:r>
-              <a:rPr lang="el-GR" sz="2000" dirty="0" smtClean="0"/>
+              <a:rPr lang="el-GR" sz="2000" dirty="0"/>
               <a:t> Γενικά, ορίζουμε ως δομή επανάληψης την δομή κατά την οποία επαναλαμβάνονται κομμάτια κώδικα όσο επαληθεύεται μια συνθήκη</a:t>
             </a:r>
-            <a:endParaRPr lang="el-GR" sz="2000" dirty="0"/>
           </a:p>
         </p:txBody>
       </p:sp>
@@ -43232,13 +43177,6 @@
   <p:clrMapOvr>
     <a:masterClrMapping/>
   </p:clrMapOvr>
-  <p:timing>
-    <p:tnLst>
-      <p:par>
-        <p:cTn id="1" dur="indefinite" restart="never" nodeType="tmRoot"/>
-      </p:par>
-    </p:tnLst>
-  </p:timing>
 </p:sld>
 </file>
 
@@ -43280,10 +43218,9 @@
           <a:lstStyle/>
           <a:p>
             <a:r>
-              <a:rPr lang="el-GR" dirty="0" smtClean="0"/>
+              <a:rPr lang="el-GR" dirty="0"/>
               <a:t>Εντολές Ελέγχου - 2</a:t>
             </a:r>
-            <a:endParaRPr lang="el-GR" dirty="0"/>
           </a:p>
         </p:txBody>
       </p:sp>
@@ -43309,46 +43246,46 @@
           <a:p>
             <a:pPr algn="just"/>
             <a:r>
-              <a:rPr lang="el-GR" sz="1800" dirty="0" smtClean="0"/>
+              <a:rPr lang="el-GR" sz="1800" dirty="0"/>
               <a:t> </a:t>
             </a:r>
             <a:r>
-              <a:rPr lang="en-US" sz="1800" b="1" i="1" dirty="0" smtClean="0"/>
+              <a:rPr lang="en-US" sz="1800" b="1" i="1" dirty="0"/>
               <a:t>break</a:t>
             </a:r>
             <a:r>
-              <a:rPr lang="en-US" sz="1800" dirty="0" smtClean="0"/>
+              <a:rPr lang="en-US" sz="1800" dirty="0"/>
               <a:t>: </a:t>
             </a:r>
             <a:r>
-              <a:rPr lang="el-GR" sz="1800" dirty="0" smtClean="0"/>
+              <a:rPr lang="el-GR" sz="1800" dirty="0"/>
               <a:t>τερματίζει οποιαδήποτε επανάληψη και επιστρέφει στην κύρια ροή του προγράμματος</a:t>
             </a:r>
           </a:p>
           <a:p>
             <a:pPr algn="just"/>
-            <a:endParaRPr lang="el-GR" sz="1800" dirty="0" smtClean="0"/>
+            <a:endParaRPr lang="el-GR" sz="1800" dirty="0"/>
           </a:p>
           <a:p>
             <a:pPr algn="just"/>
-            <a:endParaRPr lang="el-GR" sz="1800" dirty="0" smtClean="0"/>
+            <a:endParaRPr lang="el-GR" sz="1800" dirty="0"/>
           </a:p>
           <a:p>
             <a:pPr algn="just"/>
             <a:r>
-              <a:rPr lang="el-GR" sz="1800" dirty="0" smtClean="0"/>
+              <a:rPr lang="el-GR" sz="1800" dirty="0"/>
               <a:t> </a:t>
             </a:r>
             <a:r>
-              <a:rPr lang="en-US" sz="1800" b="1" i="1" dirty="0" smtClean="0"/>
+              <a:rPr lang="en-US" sz="1800" b="1" i="1" dirty="0"/>
               <a:t>continue: </a:t>
             </a:r>
             <a:r>
-              <a:rPr lang="el-GR" sz="1800" dirty="0" smtClean="0"/>
+              <a:rPr lang="el-GR" sz="1800" dirty="0"/>
               <a:t>παραλήπτει την επανάληψη στην οποία βρίσκεται και παέι στην επόμενη.</a:t>
             </a:r>
             <a:r>
-              <a:rPr lang="en-US" sz="1800" dirty="0" smtClean="0"/>
+              <a:rPr lang="en-US" sz="1800" dirty="0"/>
               <a:t> </a:t>
             </a:r>
             <a:endParaRPr lang="el-GR" sz="1800" dirty="0"/>
@@ -43360,13 +43297,6 @@
   <p:clrMapOvr>
     <a:masterClrMapping/>
   </p:clrMapOvr>
-  <p:timing>
-    <p:tnLst>
-      <p:par>
-        <p:cTn id="1" dur="indefinite" restart="never" nodeType="tmRoot"/>
-      </p:par>
-    </p:tnLst>
-  </p:timing>
 </p:sld>
 </file>
 
@@ -43408,11 +43338,11 @@
           <a:lstStyle/>
           <a:p>
             <a:r>
-              <a:rPr lang="el-GR" sz="3200" b="1" i="1" dirty="0" smtClean="0"/>
+              <a:rPr lang="el-GR" sz="3200" b="1" i="1" dirty="0"/>
               <a:t>Βιβλιογραφία: </a:t>
             </a:r>
             <a:r>
-              <a:rPr lang="en-US" sz="3200" b="1" i="1" dirty="0" smtClean="0"/>
+              <a:rPr lang="en-US" sz="3200" b="1" i="1" dirty="0"/>
               <a:t>www.turtorialspoint.com/python3</a:t>
             </a:r>
             <a:endParaRPr lang="el-GR" sz="3200" b="1" i="1" dirty="0"/>
@@ -43424,13 +43354,6 @@
   <p:clrMapOvr>
     <a:masterClrMapping/>
   </p:clrMapOvr>
-  <p:timing>
-    <p:tnLst>
-      <p:par>
-        <p:cTn id="1" dur="indefinite" restart="never" nodeType="tmRoot"/>
-      </p:par>
-    </p:tnLst>
-  </p:timing>
 </p:sld>
 </file>
 
@@ -43496,10 +43419,9 @@
           <a:lstStyle/>
           <a:p>
             <a:r>
-              <a:rPr lang="el-GR" dirty="0" smtClean="0"/>
+              <a:rPr lang="el-GR" dirty="0"/>
               <a:t>Διάγραμμα Ροής</a:t>
             </a:r>
-            <a:endParaRPr lang="el-GR" dirty="0"/>
           </a:p>
         </p:txBody>
       </p:sp>
@@ -43508,13 +43430,6 @@
   <p:clrMapOvr>
     <a:masterClrMapping/>
   </p:clrMapOvr>
-  <p:timing>
-    <p:tnLst>
-      <p:par>
-        <p:cTn id="1" dur="indefinite" restart="never" nodeType="tmRoot"/>
-      </p:par>
-    </p:tnLst>
-  </p:timing>
 </p:sld>
 </file>
 
@@ -43556,10 +43471,9 @@
           <a:lstStyle/>
           <a:p>
             <a:r>
-              <a:rPr lang="el-GR" dirty="0" smtClean="0"/>
+              <a:rPr lang="el-GR" dirty="0"/>
               <a:t>Είδη Επαναλήψεων</a:t>
             </a:r>
-            <a:endParaRPr lang="el-GR" dirty="0"/>
           </a:p>
         </p:txBody>
       </p:sp>
@@ -43588,11 +43502,11 @@
               <a:buChar char="q"/>
             </a:pPr>
             <a:r>
-              <a:rPr lang="el-GR" sz="2800" dirty="0" smtClean="0"/>
+              <a:rPr lang="el-GR" sz="2800" dirty="0"/>
               <a:t> </a:t>
             </a:r>
             <a:r>
-              <a:rPr lang="en-US" sz="2800" dirty="0" smtClean="0"/>
+              <a:rPr lang="en-US" sz="2800" dirty="0"/>
               <a:t>While</a:t>
             </a:r>
           </a:p>
@@ -43602,7 +43516,7 @@
               <a:buChar char="q"/>
             </a:pPr>
             <a:r>
-              <a:rPr lang="en-US" sz="2800" dirty="0" smtClean="0"/>
+              <a:rPr lang="en-US" sz="2800" dirty="0"/>
               <a:t> For</a:t>
             </a:r>
           </a:p>
@@ -43612,14 +43526,13 @@
               <a:buChar char="q"/>
             </a:pPr>
             <a:r>
-              <a:rPr lang="en-US" sz="2800" dirty="0" smtClean="0"/>
+              <a:rPr lang="en-US" sz="2800" dirty="0"/>
               <a:t> </a:t>
             </a:r>
             <a:r>
-              <a:rPr lang="el-GR" sz="2800" dirty="0" smtClean="0"/>
+              <a:rPr lang="el-GR" sz="2800" dirty="0"/>
               <a:t>Εμφωλευμένες Επαναλήψεις</a:t>
             </a:r>
-            <a:endParaRPr lang="el-GR" sz="2800" dirty="0"/>
           </a:p>
         </p:txBody>
       </p:sp>
@@ -43669,7 +43582,7 @@
           <a:lstStyle/>
           <a:p>
             <a:r>
-              <a:rPr lang="en-US" dirty="0" smtClean="0"/>
+              <a:rPr lang="en-US" dirty="0"/>
               <a:t>While Loops - 1</a:t>
             </a:r>
             <a:endParaRPr lang="el-GR" dirty="0"/>
@@ -43696,15 +43609,15 @@
               <a:buChar char="q"/>
             </a:pPr>
             <a:r>
-              <a:rPr lang="en-US" sz="2800" dirty="0" smtClean="0"/>
+              <a:rPr lang="en-US" sz="2800" dirty="0"/>
               <a:t> </a:t>
             </a:r>
             <a:r>
-              <a:rPr lang="el-GR" sz="2800" dirty="0" smtClean="0"/>
+              <a:rPr lang="el-GR" sz="2800" dirty="0"/>
               <a:t>Επανάληψη ενός συνόλου εντολών </a:t>
             </a:r>
             <a:r>
-              <a:rPr lang="el-GR" sz="2800" b="1" i="1" u="sng" dirty="0" smtClean="0">
+              <a:rPr lang="el-GR" sz="2800" b="1" i="1" u="sng" dirty="0">
                 <a:solidFill>
                   <a:srgbClr val="FFFF00"/>
                 </a:solidFill>
@@ -43712,14 +43625,13 @@
               <a:t>όσο</a:t>
             </a:r>
             <a:r>
-              <a:rPr lang="el-GR" sz="2800" b="1" i="1" dirty="0" smtClean="0"/>
+              <a:rPr lang="el-GR" sz="2800" b="1" i="1" dirty="0"/>
               <a:t> </a:t>
             </a:r>
             <a:r>
-              <a:rPr lang="el-GR" sz="2800" dirty="0" smtClean="0"/>
+              <a:rPr lang="el-GR" sz="2800" dirty="0"/>
               <a:t>μια συνθήκη είναι αληθής</a:t>
             </a:r>
-            <a:endParaRPr lang="el-GR" sz="2800" dirty="0"/>
           </a:p>
         </p:txBody>
       </p:sp>
@@ -43728,13 +43640,6 @@
   <p:clrMapOvr>
     <a:masterClrMapping/>
   </p:clrMapOvr>
-  <p:timing>
-    <p:tnLst>
-      <p:par>
-        <p:cTn id="1" dur="indefinite" restart="never" nodeType="tmRoot"/>
-      </p:par>
-    </p:tnLst>
-  </p:timing>
 </p:sld>
 </file>
 
@@ -43776,7 +43681,7 @@
           <a:lstStyle/>
           <a:p>
             <a:r>
-              <a:rPr lang="en-US" dirty="0" smtClean="0"/>
+              <a:rPr lang="en-US" dirty="0"/>
               <a:t>While Loops - 2</a:t>
             </a:r>
             <a:endParaRPr lang="el-GR" dirty="0"/>
@@ -43808,11 +43713,11 @@
               <a:buChar char="q"/>
             </a:pPr>
             <a:r>
-              <a:rPr lang="en-US" sz="1800" dirty="0" smtClean="0"/>
+              <a:rPr lang="en-US" sz="1800" dirty="0"/>
               <a:t> </a:t>
             </a:r>
             <a:r>
-              <a:rPr lang="el-GR" sz="1800" dirty="0" smtClean="0"/>
+              <a:rPr lang="el-GR" sz="1800" dirty="0"/>
               <a:t>Η συνθήκη εξετάζεται πριν την επανάληψη</a:t>
             </a:r>
           </a:p>
@@ -43821,7 +43726,7 @@
               <a:buFont typeface="Wingdings" pitchFamily="2" charset="2"/>
               <a:buChar char="q"/>
             </a:pPr>
-            <a:endParaRPr lang="el-GR" sz="1800" dirty="0" smtClean="0"/>
+            <a:endParaRPr lang="el-GR" sz="1800" dirty="0"/>
           </a:p>
           <a:p>
             <a:pPr algn="just">
@@ -43829,7 +43734,7 @@
               <a:buChar char="q"/>
             </a:pPr>
             <a:r>
-              <a:rPr lang="el-GR" sz="1800" dirty="0" smtClean="0"/>
+              <a:rPr lang="el-GR" sz="1800" dirty="0"/>
               <a:t> Αν ψευδής συνεχίζεται η κανονική ροή του κώδικα</a:t>
             </a:r>
           </a:p>
@@ -43838,7 +43743,7 @@
               <a:buFont typeface="Wingdings" pitchFamily="2" charset="2"/>
               <a:buChar char="q"/>
             </a:pPr>
-            <a:endParaRPr lang="el-GR" sz="1800" dirty="0" smtClean="0"/>
+            <a:endParaRPr lang="el-GR" sz="1800" dirty="0"/>
           </a:p>
           <a:p>
             <a:pPr algn="just">
@@ -43890,13 +43795,6 @@
   <p:clrMapOvr>
     <a:masterClrMapping/>
   </p:clrMapOvr>
-  <p:timing>
-    <p:tnLst>
-      <p:par>
-        <p:cTn id="1" dur="indefinite" restart="never" nodeType="tmRoot"/>
-      </p:par>
-    </p:tnLst>
-  </p:timing>
 </p:sld>
 </file>
 
@@ -43933,10 +43831,9 @@
           <a:lstStyle/>
           <a:p>
             <a:r>
-              <a:rPr lang="el-GR" dirty="0" smtClean="0"/>
+              <a:rPr lang="el-GR" dirty="0"/>
               <a:t>Παράδειγμα</a:t>
             </a:r>
-            <a:endParaRPr lang="el-GR" dirty="0"/>
           </a:p>
         </p:txBody>
       </p:sp>
@@ -43979,13 +43876,6 @@
   <p:clrMapOvr>
     <a:masterClrMapping/>
   </p:clrMapOvr>
-  <p:timing>
-    <p:tnLst>
-      <p:par>
-        <p:cTn id="1" dur="indefinite" restart="never" nodeType="tmRoot"/>
-      </p:par>
-    </p:tnLst>
-  </p:timing>
 </p:sld>
 </file>
 
@@ -44051,7 +43941,7 @@
               <a:defRPr/>
             </a:pPr>
             <a:r>
-              <a:rPr kumimoji="0" lang="en-US" sz="4000" b="0" i="0" u="none" strike="noStrike" kern="0" cap="none" spc="0" normalizeH="0" baseline="0" noProof="0" dirty="0" smtClean="0">
+              <a:rPr kumimoji="0" lang="en-US" sz="4000" b="0" i="0" u="none" strike="noStrike" kern="0" cap="none" spc="0" normalizeH="0" baseline="0" noProof="0" dirty="0">
                 <a:ln>
                   <a:noFill/>
                 </a:ln>
@@ -44125,7 +44015,7 @@
               <a:defRPr/>
             </a:pPr>
             <a:r>
-              <a:rPr kumimoji="0" lang="en-US" sz="2800" b="0" i="0" u="none" strike="noStrike" kern="0" cap="none" spc="0" normalizeH="0" baseline="0" noProof="0" dirty="0" smtClean="0">
+              <a:rPr kumimoji="0" lang="en-US" sz="2800" b="0" i="0" u="none" strike="noStrike" kern="0" cap="none" spc="0" normalizeH="0" baseline="0" noProof="0" dirty="0">
                 <a:ln>
                   <a:noFill/>
                 </a:ln>
@@ -44146,7 +44036,7 @@
               <a:t> </a:t>
             </a:r>
             <a:r>
-              <a:rPr kumimoji="0" lang="el-GR" sz="2800" b="0" i="0" u="none" strike="noStrike" kern="0" cap="none" spc="0" normalizeH="0" baseline="0" noProof="0" dirty="0" smtClean="0">
+              <a:rPr kumimoji="0" lang="el-GR" sz="2800" b="0" i="0" u="none" strike="noStrike" kern="0" cap="none" spc="0" normalizeH="0" baseline="0" noProof="0" dirty="0">
                 <a:ln>
                   <a:noFill/>
                 </a:ln>
@@ -44167,7 +44057,7 @@
               <a:t>Επανάληψη ενός συνόλου εντολών </a:t>
             </a:r>
             <a:r>
-              <a:rPr lang="el-GR" sz="2800" b="1" i="1" u="sng" kern="0" dirty="0" smtClean="0">
+              <a:rPr lang="el-GR" sz="2800" b="1" i="1" u="sng" kern="0" dirty="0">
                 <a:solidFill>
                   <a:srgbClr val="FFFF00"/>
                 </a:solidFill>
@@ -44179,7 +44069,7 @@
               <a:t>για</a:t>
             </a:r>
             <a:r>
-              <a:rPr lang="el-GR" sz="2800" b="1" i="1" kern="0" dirty="0" smtClean="0">
+              <a:rPr lang="el-GR" sz="2800" b="1" i="1" kern="0" dirty="0">
                 <a:solidFill>
                   <a:schemeClr val="accent4">
                     <a:lumMod val="60000"/>
@@ -44194,7 +44084,7 @@
               <a:t> </a:t>
             </a:r>
             <a:r>
-              <a:rPr lang="el-GR" sz="2800" kern="0" dirty="0" smtClean="0">
+              <a:rPr lang="el-GR" sz="2800" kern="0" dirty="0">
                 <a:solidFill>
                   <a:schemeClr val="accent4">
                     <a:lumMod val="60000"/>
@@ -44234,13 +44124,6 @@
   <p:clrMapOvr>
     <a:masterClrMapping/>
   </p:clrMapOvr>
-  <p:timing>
-    <p:tnLst>
-      <p:par>
-        <p:cTn id="1" dur="indefinite" restart="never" nodeType="tmRoot"/>
-      </p:par>
-    </p:tnLst>
-  </p:timing>
 </p:sld>
 </file>
 
@@ -44306,7 +44189,7 @@
               <a:defRPr/>
             </a:pPr>
             <a:r>
-              <a:rPr kumimoji="0" lang="en-US" sz="4000" b="0" i="0" u="none" strike="noStrike" kern="0" cap="none" spc="0" normalizeH="0" baseline="0" noProof="0" dirty="0" smtClean="0">
+              <a:rPr kumimoji="0" lang="en-US" sz="4000" b="0" i="0" u="none" strike="noStrike" kern="0" cap="none" spc="0" normalizeH="0" baseline="0" noProof="0" dirty="0">
                 <a:ln>
                   <a:noFill/>
                 </a:ln>
@@ -44380,7 +44263,7 @@
               <a:defRPr/>
             </a:pPr>
             <a:r>
-              <a:rPr kumimoji="0" lang="en-US" sz="2800" b="0" i="0" u="none" strike="noStrike" kern="0" cap="none" spc="0" normalizeH="0" baseline="0" noProof="0" dirty="0" smtClean="0">
+              <a:rPr kumimoji="0" lang="en-US" sz="2800" b="0" i="0" u="none" strike="noStrike" kern="0" cap="none" spc="0" normalizeH="0" baseline="0" noProof="0" dirty="0">
                 <a:ln>
                   <a:noFill/>
                 </a:ln>
@@ -44401,7 +44284,7 @@
               <a:t> </a:t>
             </a:r>
             <a:r>
-              <a:rPr kumimoji="0" lang="el-GR" sz="2800" b="0" i="0" u="none" strike="noStrike" kern="0" cap="none" spc="0" normalizeH="0" baseline="0" noProof="0" dirty="0" smtClean="0">
+              <a:rPr kumimoji="0" lang="el-GR" sz="2800" b="0" i="0" u="none" strike="noStrike" kern="0" cap="none" spc="0" normalizeH="0" baseline="0" noProof="0" dirty="0">
                 <a:ln>
                   <a:noFill/>
                 </a:ln>
@@ -44422,7 +44305,7 @@
               <a:t>Υποχρεωτικά</a:t>
             </a:r>
             <a:r>
-              <a:rPr kumimoji="0" lang="el-GR" sz="2800" b="0" i="0" u="none" strike="noStrike" kern="0" cap="none" spc="0" normalizeH="0" noProof="0" dirty="0" smtClean="0">
+              <a:rPr kumimoji="0" lang="el-GR" sz="2800" b="0" i="0" u="none" strike="noStrike" kern="0" cap="none" spc="0" normalizeH="0" noProof="0" dirty="0">
                 <a:ln>
                   <a:noFill/>
                 </a:ln>
@@ -44442,7 +44325,7 @@
               </a:rPr>
               <a:t> πρέπει να υπάρχει ένας μετρητής επαναλήψεων</a:t>
             </a:r>
-            <a:endParaRPr lang="el-GR" sz="2800" kern="0" baseline="0" dirty="0" smtClean="0">
+            <a:endParaRPr lang="el-GR" sz="2800" kern="0" baseline="0" dirty="0">
               <a:solidFill>
                 <a:schemeClr val="accent4">
                   <a:lumMod val="60000"/>
@@ -44497,13 +44380,6 @@
   <p:clrMapOvr>
     <a:masterClrMapping/>
   </p:clrMapOvr>
-  <p:timing>
-    <p:tnLst>
-      <p:par>
-        <p:cTn id="1" dur="indefinite" restart="never" nodeType="tmRoot"/>
-      </p:par>
-    </p:tnLst>
-  </p:timing>
 </p:sld>
 </file>
 
